--- a/ATIVIDADES.pptx
+++ b/ATIVIDADES.pptx
@@ -5,12 +5,13 @@
     <p:sldMasterId id="2147483648" r:id="rId1"/>
   </p:sldMasterIdLst>
   <p:notesMasterIdLst>
-    <p:notesMasterId r:id="rId5"/>
+    <p:notesMasterId r:id="rId6"/>
   </p:notesMasterIdLst>
   <p:sldIdLst>
     <p:sldId id="257" r:id="rId2"/>
-    <p:sldId id="258" r:id="rId3"/>
-    <p:sldId id="259" r:id="rId4"/>
+    <p:sldId id="260" r:id="rId3"/>
+    <p:sldId id="258" r:id="rId4"/>
+    <p:sldId id="259" r:id="rId5"/>
   </p:sldIdLst>
   <p:sldSz cx="12192000" cy="6858000"/>
   <p:notesSz cx="6858000" cy="9144000"/>
@@ -202,7 +203,7 @@
           <a:p>
             <a:fld id="{7B466FEE-7C52-4542-B7EE-320628ED84D7}" type="datetimeFigureOut">
               <a:rPr lang="pt-BR" smtClean="0"/>
-              <a:t>06/11/2021</a:t>
+              <a:t>16/11/2021</a:t>
             </a:fld>
             <a:endParaRPr lang="pt-BR"/>
           </a:p>
@@ -556,6 +557,93 @@
 </p:notes>
 </file>
 
+<file path=ppt/notesSlides/notesSlide2.xml><?xml version="1.0" encoding="utf-8"?>
+<p:notes xmlns:a="http://schemas.openxmlformats.org/drawingml/2006/main" xmlns:r="http://schemas.openxmlformats.org/officeDocument/2006/relationships" xmlns:p="http://schemas.openxmlformats.org/presentationml/2006/main">
+  <p:cSld>
+    <p:spTree>
+      <p:nvGrpSpPr>
+        <p:cNvPr id="1" name=""/>
+        <p:cNvGrpSpPr/>
+        <p:nvPr/>
+      </p:nvGrpSpPr>
+      <p:grpSpPr>
+        <a:xfrm>
+          <a:off x="0" y="0"/>
+          <a:ext cx="0" cy="0"/>
+          <a:chOff x="0" y="0"/>
+          <a:chExt cx="0" cy="0"/>
+        </a:xfrm>
+      </p:grpSpPr>
+      <p:sp>
+        <p:nvSpPr>
+          <p:cNvPr id="2" name="Espaço Reservado para Imagem de Slide 1"/>
+          <p:cNvSpPr>
+            <a:spLocks noGrp="1" noRot="1" noChangeAspect="1"/>
+          </p:cNvSpPr>
+          <p:nvPr>
+            <p:ph type="sldImg"/>
+          </p:nvPr>
+        </p:nvSpPr>
+        <p:spPr/>
+      </p:sp>
+      <p:sp>
+        <p:nvSpPr>
+          <p:cNvPr id="3" name="Espaço Reservado para Anotações 2"/>
+          <p:cNvSpPr>
+            <a:spLocks noGrp="1"/>
+          </p:cNvSpPr>
+          <p:nvPr>
+            <p:ph type="body" idx="1"/>
+          </p:nvPr>
+        </p:nvSpPr>
+        <p:spPr/>
+        <p:txBody>
+          <a:bodyPr/>
+          <a:lstStyle/>
+          <a:p>
+            <a:r>
+              <a:rPr lang="pt-BR"/>
+              <a:t>teste</a:t>
+            </a:r>
+          </a:p>
+        </p:txBody>
+      </p:sp>
+      <p:sp>
+        <p:nvSpPr>
+          <p:cNvPr id="4" name="Espaço Reservado para Número de Slide 3"/>
+          <p:cNvSpPr>
+            <a:spLocks noGrp="1"/>
+          </p:cNvSpPr>
+          <p:nvPr>
+            <p:ph type="sldNum" sz="quarter" idx="5"/>
+          </p:nvPr>
+        </p:nvSpPr>
+        <p:spPr/>
+        <p:txBody>
+          <a:bodyPr/>
+          <a:lstStyle/>
+          <a:p>
+            <a:fld id="{78B8B78A-BA03-4E88-872D-3F48260D8875}" type="slidenum">
+              <a:rPr lang="pt-BR" smtClean="0"/>
+              <a:t>2</a:t>
+            </a:fld>
+            <a:endParaRPr lang="pt-BR"/>
+          </a:p>
+        </p:txBody>
+      </p:sp>
+    </p:spTree>
+    <p:extLst>
+      <p:ext uri="{BB962C8B-B14F-4D97-AF65-F5344CB8AC3E}">
+        <p14:creationId xmlns:p14="http://schemas.microsoft.com/office/powerpoint/2010/main" val="320381484"/>
+      </p:ext>
+    </p:extLst>
+  </p:cSld>
+  <p:clrMapOvr>
+    <a:masterClrMapping/>
+  </p:clrMapOvr>
+</p:notes>
+</file>
+
 <file path=ppt/slideLayouts/slideLayout1.xml><?xml version="1.0" encoding="utf-8"?>
 <p:sldLayout xmlns:a="http://schemas.openxmlformats.org/drawingml/2006/main" xmlns:r="http://schemas.openxmlformats.org/officeDocument/2006/relationships" xmlns:p="http://schemas.openxmlformats.org/presentationml/2006/main" type="title" preserve="1">
   <p:cSld name="Slide de Título">
@@ -703,7 +791,7 @@
           <a:p>
             <a:fld id="{0D55CCA1-5C99-43D8-BD1D-6EDDB3FDD360}" type="datetimeFigureOut">
               <a:rPr lang="pt-BR" smtClean="0"/>
-              <a:t>06/11/2021</a:t>
+              <a:t>16/11/2021</a:t>
             </a:fld>
             <a:endParaRPr lang="pt-BR"/>
           </a:p>
@@ -901,7 +989,7 @@
           <a:p>
             <a:fld id="{0D55CCA1-5C99-43D8-BD1D-6EDDB3FDD360}" type="datetimeFigureOut">
               <a:rPr lang="pt-BR" smtClean="0"/>
-              <a:t>06/11/2021</a:t>
+              <a:t>16/11/2021</a:t>
             </a:fld>
             <a:endParaRPr lang="pt-BR"/>
           </a:p>
@@ -1109,7 +1197,7 @@
           <a:p>
             <a:fld id="{0D55CCA1-5C99-43D8-BD1D-6EDDB3FDD360}" type="datetimeFigureOut">
               <a:rPr lang="pt-BR" smtClean="0"/>
-              <a:t>06/11/2021</a:t>
+              <a:t>16/11/2021</a:t>
             </a:fld>
             <a:endParaRPr lang="pt-BR"/>
           </a:p>
@@ -1307,7 +1395,7 @@
           <a:p>
             <a:fld id="{0D55CCA1-5C99-43D8-BD1D-6EDDB3FDD360}" type="datetimeFigureOut">
               <a:rPr lang="pt-BR" smtClean="0"/>
-              <a:t>06/11/2021</a:t>
+              <a:t>16/11/2021</a:t>
             </a:fld>
             <a:endParaRPr lang="pt-BR"/>
           </a:p>
@@ -1582,7 +1670,7 @@
           <a:p>
             <a:fld id="{0D55CCA1-5C99-43D8-BD1D-6EDDB3FDD360}" type="datetimeFigureOut">
               <a:rPr lang="pt-BR" smtClean="0"/>
-              <a:t>06/11/2021</a:t>
+              <a:t>16/11/2021</a:t>
             </a:fld>
             <a:endParaRPr lang="pt-BR"/>
           </a:p>
@@ -1847,7 +1935,7 @@
           <a:p>
             <a:fld id="{0D55CCA1-5C99-43D8-BD1D-6EDDB3FDD360}" type="datetimeFigureOut">
               <a:rPr lang="pt-BR" smtClean="0"/>
-              <a:t>06/11/2021</a:t>
+              <a:t>16/11/2021</a:t>
             </a:fld>
             <a:endParaRPr lang="pt-BR"/>
           </a:p>
@@ -2259,7 +2347,7 @@
           <a:p>
             <a:fld id="{0D55CCA1-5C99-43D8-BD1D-6EDDB3FDD360}" type="datetimeFigureOut">
               <a:rPr lang="pt-BR" smtClean="0"/>
-              <a:t>06/11/2021</a:t>
+              <a:t>16/11/2021</a:t>
             </a:fld>
             <a:endParaRPr lang="pt-BR"/>
           </a:p>
@@ -2400,7 +2488,7 @@
           <a:p>
             <a:fld id="{0D55CCA1-5C99-43D8-BD1D-6EDDB3FDD360}" type="datetimeFigureOut">
               <a:rPr lang="pt-BR" smtClean="0"/>
-              <a:t>06/11/2021</a:t>
+              <a:t>16/11/2021</a:t>
             </a:fld>
             <a:endParaRPr lang="pt-BR"/>
           </a:p>
@@ -2513,7 +2601,7 @@
           <a:p>
             <a:fld id="{0D55CCA1-5C99-43D8-BD1D-6EDDB3FDD360}" type="datetimeFigureOut">
               <a:rPr lang="pt-BR" smtClean="0"/>
-              <a:t>06/11/2021</a:t>
+              <a:t>16/11/2021</a:t>
             </a:fld>
             <a:endParaRPr lang="pt-BR"/>
           </a:p>
@@ -2824,7 +2912,7 @@
           <a:p>
             <a:fld id="{0D55CCA1-5C99-43D8-BD1D-6EDDB3FDD360}" type="datetimeFigureOut">
               <a:rPr lang="pt-BR" smtClean="0"/>
-              <a:t>06/11/2021</a:t>
+              <a:t>16/11/2021</a:t>
             </a:fld>
             <a:endParaRPr lang="pt-BR"/>
           </a:p>
@@ -3112,7 +3200,7 @@
           <a:p>
             <a:fld id="{0D55CCA1-5C99-43D8-BD1D-6EDDB3FDD360}" type="datetimeFigureOut">
               <a:rPr lang="pt-BR" smtClean="0"/>
-              <a:t>06/11/2021</a:t>
+              <a:t>16/11/2021</a:t>
             </a:fld>
             <a:endParaRPr lang="pt-BR"/>
           </a:p>
@@ -3353,7 +3441,7 @@
           <a:p>
             <a:fld id="{0D55CCA1-5C99-43D8-BD1D-6EDDB3FDD360}" type="datetimeFigureOut">
               <a:rPr lang="pt-BR" smtClean="0"/>
-              <a:t>06/11/2021</a:t>
+              <a:t>16/11/2021</a:t>
             </a:fld>
             <a:endParaRPr lang="pt-BR"/>
           </a:p>
@@ -3793,10 +3881,10 @@
           <a:p>
             <a:r>
               <a:rPr lang="pt-BR" dirty="0"/>
-              <a:t>REDIS ATIVIDADE 2 – 2 pontos (</a:t>
-            </a:r>
-            <a:r>
-              <a:rPr lang="pt-BR"/>
+              <a:t>REDIS ATIVIDADE 1 – 1 pontos (</a:t>
+            </a:r>
+            <a:r>
+              <a:rPr lang="pt-BR" dirty="0" err="1"/>
               <a:t>python</a:t>
             </a:r>
             <a:r>
@@ -3825,65 +3913,34 @@
         <p:spPr/>
         <p:txBody>
           <a:bodyPr>
-            <a:normAutofit fontScale="92500" lnSpcReduction="20000"/>
+            <a:normAutofit/>
           </a:bodyPr>
           <a:lstStyle/>
           <a:p>
             <a:r>
               <a:rPr lang="pt-BR" dirty="0"/>
-              <a:t>Crie um sistema de atendimento em </a:t>
-            </a:r>
-            <a:r>
-              <a:rPr lang="pt-BR" dirty="0" err="1"/>
-              <a:t>python</a:t>
-            </a:r>
+              <a:t>Faça a conexão com neo4j remoto </a:t>
+            </a:r>
+          </a:p>
+          <a:p>
             <a:r>
               <a:rPr lang="pt-BR" dirty="0"/>
-              <a:t> com Redis que tenha duas filas de atendimento</a:t>
-            </a:r>
-          </a:p>
-          <a:p>
+              <a:t>Insira a principais relações da sua família, utilizando as categorias (homem</a:t>
+            </a:r>
+            <a:r>
+              <a:rPr lang="pt-BR"/>
+              <a:t>, mulher)</a:t>
+            </a:r>
+          </a:p>
+          <a:p>
+            <a:r>
+              <a:rPr lang="pt-BR"/>
+              <a:t>Imprima </a:t>
+            </a:r>
             <a:r>
               <a:rPr lang="pt-BR" dirty="0"/>
-              <a:t>Nos totens tem 3 opções, emitir senha normal, emitir senha prioritária e chamar próximo da fila</a:t>
-            </a:r>
-          </a:p>
-          <a:p>
-            <a:r>
-              <a:rPr lang="pt-BR" dirty="0"/>
-              <a:t>A opção emitir senha normal vai pegar o próximo numero livre e incluir numa fila </a:t>
-            </a:r>
-            <a:r>
-              <a:rPr lang="pt-BR" b="1" dirty="0"/>
-              <a:t>normal</a:t>
-            </a:r>
-            <a:r>
-              <a:rPr lang="pt-BR" dirty="0"/>
-              <a:t> no redis no formato “N-99” e imprimir para o cliente o número</a:t>
-            </a:r>
-          </a:p>
-          <a:p>
-            <a:r>
-              <a:rPr lang="pt-BR" dirty="0"/>
-              <a:t>A opção emitir senha prioritária vai pegar o próximo número livre e incluir numa fila </a:t>
-            </a:r>
-            <a:r>
-              <a:rPr lang="pt-BR" b="1" dirty="0" err="1"/>
-              <a:t>prioritaria</a:t>
-            </a:r>
-            <a:r>
-              <a:rPr lang="pt-BR" dirty="0"/>
-              <a:t> no redis no formato “P-99”</a:t>
-            </a:r>
-          </a:p>
-          <a:p>
-            <a:r>
-              <a:rPr lang="pt-BR" dirty="0"/>
-              <a:t>A opção de chamar o próximo da fila obedecerá o seguinte critério: chama um da fila prioritário e o próximo é da fila normal, ficando revezando, o próximo será exibido na tela</a:t>
-            </a:r>
-          </a:p>
-          <a:p>
-            <a:endParaRPr lang="pt-BR" dirty="0"/>
+              <a:t>o grafo da sua família com neo4j desktop</a:t>
+            </a:r>
           </a:p>
         </p:txBody>
       </p:sp>
@@ -3922,7 +3979,7 @@
           <p:cNvPr id="2" name="Título 1">
             <a:extLst>
               <a:ext uri="{FF2B5EF4-FFF2-40B4-BE49-F238E27FC236}">
-                <a16:creationId xmlns:a16="http://schemas.microsoft.com/office/drawing/2014/main" id="{D00C04AD-EAD6-4120-83AE-AC06FDFEBD63}"/>
+                <a16:creationId xmlns:a16="http://schemas.microsoft.com/office/drawing/2014/main" id="{5BA5FBD8-59A9-48C6-826B-68E1416C8A8B}"/>
               </a:ext>
             </a:extLst>
           </p:cNvPr>
@@ -3940,7 +3997,15 @@
           <a:p>
             <a:r>
               <a:rPr lang="pt-BR" dirty="0"/>
-              <a:t>CASSANDRA – ATIVEIDADE 3 – 3 pontos (PYTHON)</a:t>
+              <a:t>REDIS ATIVIDADE 2 – 2 pontos (</a:t>
+            </a:r>
+            <a:r>
+              <a:rPr lang="pt-BR"/>
+              <a:t>python</a:t>
+            </a:r>
+            <a:r>
+              <a:rPr lang="pt-BR" dirty="0"/>
+              <a:t>)</a:t>
             </a:r>
           </a:p>
         </p:txBody>
@@ -3950,7 +4015,7 @@
           <p:cNvPr id="3" name="Espaço Reservado para Conteúdo 2">
             <a:extLst>
               <a:ext uri="{FF2B5EF4-FFF2-40B4-BE49-F238E27FC236}">
-                <a16:creationId xmlns:a16="http://schemas.microsoft.com/office/drawing/2014/main" id="{511377A6-9D8F-487B-A405-1D245B4DD67B}"/>
+                <a16:creationId xmlns:a16="http://schemas.microsoft.com/office/drawing/2014/main" id="{A8A7D5B7-1269-4DF0-BE66-57B741CBE8E1}"/>
               </a:ext>
             </a:extLst>
           </p:cNvPr>
@@ -3969,174 +4034,56 @@
           <a:lstStyle/>
           <a:p>
             <a:r>
-              <a:rPr lang="en-US" dirty="0" err="1"/>
-              <a:t>Baixar</a:t>
-            </a:r>
-            <a:r>
-              <a:rPr lang="en-US" dirty="0"/>
-              <a:t> </a:t>
-            </a:r>
-            <a:r>
-              <a:rPr lang="en-US" dirty="0" err="1"/>
-              <a:t>os</a:t>
-            </a:r>
-            <a:r>
-              <a:rPr lang="en-US" dirty="0"/>
-              <a:t> dados </a:t>
-            </a:r>
-            <a:r>
-              <a:rPr lang="en-US" dirty="0" err="1"/>
-              <a:t>mais</a:t>
-            </a:r>
-            <a:r>
-              <a:rPr lang="en-US" dirty="0"/>
-              <a:t> </a:t>
-            </a:r>
-            <a:r>
-              <a:rPr lang="en-US" dirty="0" err="1"/>
-              <a:t>recentes</a:t>
-            </a:r>
-            <a:r>
-              <a:rPr lang="en-US" dirty="0"/>
-              <a:t> de covid</a:t>
-            </a:r>
-          </a:p>
-          <a:p>
-            <a:r>
-              <a:rPr lang="pt-BR" dirty="0">
-                <a:hlinkClick r:id="rId2"/>
-              </a:rPr>
-              <a:t>https://github.com/owid/covid-19-data/raw/master/public/data/owid-covid-data.csv</a:t>
-            </a:r>
-            <a:r>
               <a:rPr lang="pt-BR" dirty="0"/>
-              <a:t> </a:t>
-            </a:r>
-          </a:p>
-          <a:p>
+              <a:t>Crie um sistema de atendimento em </a:t>
+            </a:r>
+            <a:r>
+              <a:rPr lang="pt-BR" dirty="0" err="1"/>
+              <a:t>python</a:t>
+            </a:r>
             <a:r>
               <a:rPr lang="pt-BR" dirty="0"/>
-              <a:t>Utilizando os campos </a:t>
-            </a:r>
-            <a:r>
-              <a:rPr lang="pt-BR" dirty="0" err="1"/>
-              <a:t>location</a:t>
-            </a:r>
+              <a:t> com Redis que tenha duas filas de atendimento</a:t>
+            </a:r>
+          </a:p>
+          <a:p>
             <a:r>
               <a:rPr lang="pt-BR" dirty="0"/>
-              <a:t>, </a:t>
-            </a:r>
-            <a:r>
-              <a:rPr lang="pt-BR" dirty="0" err="1"/>
-              <a:t>population</a:t>
-            </a:r>
+              <a:t>Nos totens tem 3 opções, emitir senha normal, emitir senha prioritária e chamar próximo da fila</a:t>
+            </a:r>
+          </a:p>
+          <a:p>
             <a:r>
               <a:rPr lang="pt-BR" dirty="0"/>
-              <a:t> e </a:t>
-            </a:r>
-            <a:r>
-              <a:rPr lang="pt-BR" dirty="0" err="1"/>
-              <a:t>people_fully_vaccinated</a:t>
-            </a:r>
-            <a:endParaRPr lang="pt-BR" dirty="0"/>
-          </a:p>
-          <a:p>
+              <a:t>A opção emitir senha normal vai pegar o próximo numero livre e incluir numa fila </a:t>
+            </a:r>
+            <a:r>
+              <a:rPr lang="pt-BR" b="1" dirty="0"/>
+              <a:t>normal</a:t>
+            </a:r>
             <a:r>
               <a:rPr lang="pt-BR" dirty="0"/>
-              <a:t>Criar </a:t>
-            </a:r>
-            <a:r>
-              <a:rPr lang="pt-BR" dirty="0" err="1"/>
-              <a:t>keyspace</a:t>
-            </a:r>
+              <a:t> no redis no formato “N-99” e imprimir para o cliente o número</a:t>
+            </a:r>
+          </a:p>
+          <a:p>
             <a:r>
               <a:rPr lang="pt-BR" dirty="0"/>
-              <a:t> </a:t>
-            </a:r>
-            <a:r>
-              <a:rPr lang="pt-BR" dirty="0" err="1"/>
-              <a:t>bigdata</a:t>
-            </a:r>
-            <a:endParaRPr lang="pt-BR" dirty="0"/>
-          </a:p>
-          <a:p>
+              <a:t>A opção emitir senha prioritária vai pegar o próximo número livre e incluir numa fila </a:t>
+            </a:r>
+            <a:r>
+              <a:rPr lang="pt-BR" b="1" dirty="0" err="1"/>
+              <a:t>prioritaria</a:t>
+            </a:r>
             <a:r>
               <a:rPr lang="pt-BR" dirty="0"/>
-              <a:t>Criar Family </a:t>
-            </a:r>
-            <a:r>
-              <a:rPr lang="pt-BR" dirty="0" err="1"/>
-              <a:t>group</a:t>
-            </a:r>
+              <a:t> no redis no formato “P-99”</a:t>
+            </a:r>
+          </a:p>
+          <a:p>
             <a:r>
               <a:rPr lang="pt-BR" dirty="0"/>
-              <a:t> </a:t>
-            </a:r>
-            <a:r>
-              <a:rPr lang="pt-BR" dirty="0" err="1">
-                <a:hlinkClick r:id="rId2"/>
-              </a:rPr>
-              <a:t>owid</a:t>
-            </a:r>
-            <a:r>
-              <a:rPr lang="pt-BR" dirty="0">
-                <a:hlinkClick r:id="rId2"/>
-              </a:rPr>
-              <a:t>-covid-data</a:t>
-            </a:r>
-            <a:r>
-              <a:rPr lang="pt-BR" dirty="0"/>
-              <a:t> com os campos (</a:t>
-            </a:r>
-            <a:r>
-              <a:rPr lang="pt-BR" dirty="0" err="1"/>
-              <a:t>location</a:t>
-            </a:r>
-            <a:r>
-              <a:rPr lang="pt-BR" dirty="0"/>
-              <a:t>, </a:t>
-            </a:r>
-            <a:r>
-              <a:rPr lang="pt-BR" dirty="0" err="1"/>
-              <a:t>population</a:t>
-            </a:r>
-            <a:r>
-              <a:rPr lang="pt-BR" dirty="0"/>
-              <a:t> e </a:t>
-            </a:r>
-            <a:r>
-              <a:rPr lang="pt-BR" dirty="0" err="1"/>
-              <a:t>people_fully_vaccinated</a:t>
-            </a:r>
-            <a:r>
-              <a:rPr lang="pt-BR" dirty="0"/>
-              <a:t>)</a:t>
-            </a:r>
-          </a:p>
-          <a:p>
-            <a:r>
-              <a:rPr lang="pt-BR" dirty="0"/>
-              <a:t>Carregar dados no Cassandra</a:t>
-            </a:r>
-          </a:p>
-          <a:p>
-            <a:r>
-              <a:rPr lang="pt-BR" dirty="0"/>
-              <a:t>Fazer um </a:t>
-            </a:r>
-            <a:r>
-              <a:rPr lang="pt-BR" dirty="0" err="1"/>
-              <a:t>select</a:t>
-            </a:r>
-            <a:r>
-              <a:rPr lang="pt-BR" dirty="0"/>
-              <a:t> agrupando por país obtendo o maior valor de imunizados e população</a:t>
-            </a:r>
-          </a:p>
-          <a:p>
-            <a:r>
-              <a:rPr lang="pt-BR" dirty="0"/>
-              <a:t>Fazer um gráfico com a taxa de imunização por país</a:t>
+              <a:t>A opção de chamar o próximo da fila obedecerá o seguinte critério: chama um da fila prioritário e o próximo é da fila normal, ficando revezando, o próximo será exibido na tela</a:t>
             </a:r>
           </a:p>
           <a:p>
@@ -4147,7 +4094,7 @@
     </p:spTree>
     <p:extLst>
       <p:ext uri="{BB962C8B-B14F-4D97-AF65-F5344CB8AC3E}">
-        <p14:creationId xmlns:p14="http://schemas.microsoft.com/office/powerpoint/2010/main" val="3562601944"/>
+        <p14:creationId xmlns:p14="http://schemas.microsoft.com/office/powerpoint/2010/main" val="2174080085"/>
       </p:ext>
     </p:extLst>
   </p:cSld>
@@ -4179,6 +4126,263 @@
           <p:cNvPr id="2" name="Título 1">
             <a:extLst>
               <a:ext uri="{FF2B5EF4-FFF2-40B4-BE49-F238E27FC236}">
+                <a16:creationId xmlns:a16="http://schemas.microsoft.com/office/drawing/2014/main" id="{D00C04AD-EAD6-4120-83AE-AC06FDFEBD63}"/>
+              </a:ext>
+            </a:extLst>
+          </p:cNvPr>
+          <p:cNvSpPr>
+            <a:spLocks noGrp="1"/>
+          </p:cNvSpPr>
+          <p:nvPr>
+            <p:ph type="title"/>
+          </p:nvPr>
+        </p:nvSpPr>
+        <p:spPr/>
+        <p:txBody>
+          <a:bodyPr/>
+          <a:lstStyle/>
+          <a:p>
+            <a:r>
+              <a:rPr lang="pt-BR" dirty="0"/>
+              <a:t>CASSANDRA – ATIVEIDADE 3 – 3 pontos (PYTHON)</a:t>
+            </a:r>
+          </a:p>
+        </p:txBody>
+      </p:sp>
+      <p:sp>
+        <p:nvSpPr>
+          <p:cNvPr id="3" name="Espaço Reservado para Conteúdo 2">
+            <a:extLst>
+              <a:ext uri="{FF2B5EF4-FFF2-40B4-BE49-F238E27FC236}">
+                <a16:creationId xmlns:a16="http://schemas.microsoft.com/office/drawing/2014/main" id="{511377A6-9D8F-487B-A405-1D245B4DD67B}"/>
+              </a:ext>
+            </a:extLst>
+          </p:cNvPr>
+          <p:cNvSpPr>
+            <a:spLocks noGrp="1"/>
+          </p:cNvSpPr>
+          <p:nvPr>
+            <p:ph idx="1"/>
+          </p:nvPr>
+        </p:nvSpPr>
+        <p:spPr/>
+        <p:txBody>
+          <a:bodyPr>
+            <a:normAutofit fontScale="92500" lnSpcReduction="20000"/>
+          </a:bodyPr>
+          <a:lstStyle/>
+          <a:p>
+            <a:r>
+              <a:rPr lang="en-US" dirty="0" err="1"/>
+              <a:t>Baixar</a:t>
+            </a:r>
+            <a:r>
+              <a:rPr lang="en-US" dirty="0"/>
+              <a:t> </a:t>
+            </a:r>
+            <a:r>
+              <a:rPr lang="en-US" dirty="0" err="1"/>
+              <a:t>os</a:t>
+            </a:r>
+            <a:r>
+              <a:rPr lang="en-US" dirty="0"/>
+              <a:t> dados </a:t>
+            </a:r>
+            <a:r>
+              <a:rPr lang="en-US" dirty="0" err="1"/>
+              <a:t>mais</a:t>
+            </a:r>
+            <a:r>
+              <a:rPr lang="en-US" dirty="0"/>
+              <a:t> </a:t>
+            </a:r>
+            <a:r>
+              <a:rPr lang="en-US" dirty="0" err="1"/>
+              <a:t>recentes</a:t>
+            </a:r>
+            <a:r>
+              <a:rPr lang="en-US" dirty="0"/>
+              <a:t> de covid</a:t>
+            </a:r>
+          </a:p>
+          <a:p>
+            <a:r>
+              <a:rPr lang="pt-BR" dirty="0">
+                <a:hlinkClick r:id="rId2"/>
+              </a:rPr>
+              <a:t>https://github.com/owid/covid-19-data/raw/master/public/data/owid-covid-data.csv</a:t>
+            </a:r>
+            <a:r>
+              <a:rPr lang="pt-BR" dirty="0"/>
+              <a:t> </a:t>
+            </a:r>
+          </a:p>
+          <a:p>
+            <a:r>
+              <a:rPr lang="pt-BR" dirty="0"/>
+              <a:t>Utilizando os campos </a:t>
+            </a:r>
+            <a:r>
+              <a:rPr lang="pt-BR" dirty="0" err="1"/>
+              <a:t>location</a:t>
+            </a:r>
+            <a:r>
+              <a:rPr lang="pt-BR" dirty="0"/>
+              <a:t>, </a:t>
+            </a:r>
+            <a:r>
+              <a:rPr lang="pt-BR" dirty="0" err="1"/>
+              <a:t>population</a:t>
+            </a:r>
+            <a:r>
+              <a:rPr lang="pt-BR" dirty="0"/>
+              <a:t> e </a:t>
+            </a:r>
+            <a:r>
+              <a:rPr lang="pt-BR" dirty="0" err="1"/>
+              <a:t>people_fully_vaccinated</a:t>
+            </a:r>
+            <a:endParaRPr lang="pt-BR" dirty="0"/>
+          </a:p>
+          <a:p>
+            <a:r>
+              <a:rPr lang="pt-BR" dirty="0"/>
+              <a:t>Criar </a:t>
+            </a:r>
+            <a:r>
+              <a:rPr lang="pt-BR" dirty="0" err="1"/>
+              <a:t>keyspace</a:t>
+            </a:r>
+            <a:r>
+              <a:rPr lang="pt-BR" dirty="0"/>
+              <a:t> </a:t>
+            </a:r>
+            <a:r>
+              <a:rPr lang="pt-BR" dirty="0" err="1"/>
+              <a:t>bigdata</a:t>
+            </a:r>
+            <a:endParaRPr lang="pt-BR" dirty="0"/>
+          </a:p>
+          <a:p>
+            <a:r>
+              <a:rPr lang="pt-BR" dirty="0"/>
+              <a:t>Criar Family </a:t>
+            </a:r>
+            <a:r>
+              <a:rPr lang="pt-BR" dirty="0" err="1"/>
+              <a:t>group</a:t>
+            </a:r>
+            <a:r>
+              <a:rPr lang="pt-BR" dirty="0"/>
+              <a:t> </a:t>
+            </a:r>
+            <a:r>
+              <a:rPr lang="pt-BR" dirty="0" err="1">
+                <a:hlinkClick r:id="rId2"/>
+              </a:rPr>
+              <a:t>owid</a:t>
+            </a:r>
+            <a:r>
+              <a:rPr lang="pt-BR" dirty="0">
+                <a:hlinkClick r:id="rId2"/>
+              </a:rPr>
+              <a:t>-covid-data</a:t>
+            </a:r>
+            <a:r>
+              <a:rPr lang="pt-BR" dirty="0"/>
+              <a:t> com os campos (</a:t>
+            </a:r>
+            <a:r>
+              <a:rPr lang="pt-BR" dirty="0" err="1"/>
+              <a:t>location</a:t>
+            </a:r>
+            <a:r>
+              <a:rPr lang="pt-BR" dirty="0"/>
+              <a:t>, </a:t>
+            </a:r>
+            <a:r>
+              <a:rPr lang="pt-BR" dirty="0" err="1"/>
+              <a:t>population</a:t>
+            </a:r>
+            <a:r>
+              <a:rPr lang="pt-BR" dirty="0"/>
+              <a:t> e </a:t>
+            </a:r>
+            <a:r>
+              <a:rPr lang="pt-BR" dirty="0" err="1"/>
+              <a:t>people_fully_vaccinated</a:t>
+            </a:r>
+            <a:r>
+              <a:rPr lang="pt-BR" dirty="0"/>
+              <a:t>)</a:t>
+            </a:r>
+          </a:p>
+          <a:p>
+            <a:r>
+              <a:rPr lang="pt-BR" dirty="0"/>
+              <a:t>Carregar dados no Cassandra</a:t>
+            </a:r>
+          </a:p>
+          <a:p>
+            <a:r>
+              <a:rPr lang="pt-BR" dirty="0"/>
+              <a:t>Fazer um </a:t>
+            </a:r>
+            <a:r>
+              <a:rPr lang="pt-BR" dirty="0" err="1"/>
+              <a:t>select</a:t>
+            </a:r>
+            <a:r>
+              <a:rPr lang="pt-BR" dirty="0"/>
+              <a:t> agrupando por país obtendo o maior valor de imunizados e população</a:t>
+            </a:r>
+          </a:p>
+          <a:p>
+            <a:r>
+              <a:rPr lang="pt-BR" dirty="0"/>
+              <a:t>Fazer um gráfico com a taxa de imunização por país</a:t>
+            </a:r>
+          </a:p>
+          <a:p>
+            <a:endParaRPr lang="pt-BR" dirty="0"/>
+          </a:p>
+        </p:txBody>
+      </p:sp>
+    </p:spTree>
+    <p:extLst>
+      <p:ext uri="{BB962C8B-B14F-4D97-AF65-F5344CB8AC3E}">
+        <p14:creationId xmlns:p14="http://schemas.microsoft.com/office/powerpoint/2010/main" val="3562601944"/>
+      </p:ext>
+    </p:extLst>
+  </p:cSld>
+  <p:clrMapOvr>
+    <a:masterClrMapping/>
+  </p:clrMapOvr>
+</p:sld>
+</file>
+
+<file path=ppt/slides/slide4.xml><?xml version="1.0" encoding="utf-8"?>
+<p:sld xmlns:a="http://schemas.openxmlformats.org/drawingml/2006/main" xmlns:r="http://schemas.openxmlformats.org/officeDocument/2006/relationships" xmlns:p="http://schemas.openxmlformats.org/presentationml/2006/main">
+  <p:cSld>
+    <p:spTree>
+      <p:nvGrpSpPr>
+        <p:cNvPr id="1" name=""/>
+        <p:cNvGrpSpPr/>
+        <p:nvPr/>
+      </p:nvGrpSpPr>
+      <p:grpSpPr>
+        <a:xfrm>
+          <a:off x="0" y="0"/>
+          <a:ext cx="0" cy="0"/>
+          <a:chOff x="0" y="0"/>
+          <a:chExt cx="0" cy="0"/>
+        </a:xfrm>
+      </p:grpSpPr>
+      <p:sp>
+        <p:nvSpPr>
+          <p:cNvPr id="2" name="Título 1">
+            <a:extLst>
+              <a:ext uri="{FF2B5EF4-FFF2-40B4-BE49-F238E27FC236}">
                 <a16:creationId xmlns:a16="http://schemas.microsoft.com/office/drawing/2014/main" id="{7DF212C2-F363-4747-9E8A-29AD057C1B18}"/>
               </a:ext>
             </a:extLst>
@@ -4197,7 +4401,7 @@
           <a:p>
             <a:r>
               <a:rPr lang="pt-BR" dirty="0"/>
-              <a:t>MONGODB –ATIVIDADE 3 – 4 PONTOS (PYTHON)</a:t>
+              <a:t>MONGODB –ATIVIDADE 4 – 4 PONTOS (PYTHON)</a:t>
             </a:r>
           </a:p>
         </p:txBody>

--- a/ATIVIDADES.pptx
+++ b/ATIVIDADES.pptx
@@ -203,7 +203,7 @@
           <a:p>
             <a:fld id="{7B466FEE-7C52-4542-B7EE-320628ED84D7}" type="datetimeFigureOut">
               <a:rPr lang="pt-BR" smtClean="0"/>
-              <a:t>16/11/2021</a:t>
+              <a:t>19/11/2021</a:t>
             </a:fld>
             <a:endParaRPr lang="pt-BR"/>
           </a:p>
@@ -791,7 +791,7 @@
           <a:p>
             <a:fld id="{0D55CCA1-5C99-43D8-BD1D-6EDDB3FDD360}" type="datetimeFigureOut">
               <a:rPr lang="pt-BR" smtClean="0"/>
-              <a:t>16/11/2021</a:t>
+              <a:t>19/11/2021</a:t>
             </a:fld>
             <a:endParaRPr lang="pt-BR"/>
           </a:p>
@@ -989,7 +989,7 @@
           <a:p>
             <a:fld id="{0D55CCA1-5C99-43D8-BD1D-6EDDB3FDD360}" type="datetimeFigureOut">
               <a:rPr lang="pt-BR" smtClean="0"/>
-              <a:t>16/11/2021</a:t>
+              <a:t>19/11/2021</a:t>
             </a:fld>
             <a:endParaRPr lang="pt-BR"/>
           </a:p>
@@ -1197,7 +1197,7 @@
           <a:p>
             <a:fld id="{0D55CCA1-5C99-43D8-BD1D-6EDDB3FDD360}" type="datetimeFigureOut">
               <a:rPr lang="pt-BR" smtClean="0"/>
-              <a:t>16/11/2021</a:t>
+              <a:t>19/11/2021</a:t>
             </a:fld>
             <a:endParaRPr lang="pt-BR"/>
           </a:p>
@@ -1395,7 +1395,7 @@
           <a:p>
             <a:fld id="{0D55CCA1-5C99-43D8-BD1D-6EDDB3FDD360}" type="datetimeFigureOut">
               <a:rPr lang="pt-BR" smtClean="0"/>
-              <a:t>16/11/2021</a:t>
+              <a:t>19/11/2021</a:t>
             </a:fld>
             <a:endParaRPr lang="pt-BR"/>
           </a:p>
@@ -1670,7 +1670,7 @@
           <a:p>
             <a:fld id="{0D55CCA1-5C99-43D8-BD1D-6EDDB3FDD360}" type="datetimeFigureOut">
               <a:rPr lang="pt-BR" smtClean="0"/>
-              <a:t>16/11/2021</a:t>
+              <a:t>19/11/2021</a:t>
             </a:fld>
             <a:endParaRPr lang="pt-BR"/>
           </a:p>
@@ -1935,7 +1935,7 @@
           <a:p>
             <a:fld id="{0D55CCA1-5C99-43D8-BD1D-6EDDB3FDD360}" type="datetimeFigureOut">
               <a:rPr lang="pt-BR" smtClean="0"/>
-              <a:t>16/11/2021</a:t>
+              <a:t>19/11/2021</a:t>
             </a:fld>
             <a:endParaRPr lang="pt-BR"/>
           </a:p>
@@ -2347,7 +2347,7 @@
           <a:p>
             <a:fld id="{0D55CCA1-5C99-43D8-BD1D-6EDDB3FDD360}" type="datetimeFigureOut">
               <a:rPr lang="pt-BR" smtClean="0"/>
-              <a:t>16/11/2021</a:t>
+              <a:t>19/11/2021</a:t>
             </a:fld>
             <a:endParaRPr lang="pt-BR"/>
           </a:p>
@@ -2488,7 +2488,7 @@
           <a:p>
             <a:fld id="{0D55CCA1-5C99-43D8-BD1D-6EDDB3FDD360}" type="datetimeFigureOut">
               <a:rPr lang="pt-BR" smtClean="0"/>
-              <a:t>16/11/2021</a:t>
+              <a:t>19/11/2021</a:t>
             </a:fld>
             <a:endParaRPr lang="pt-BR"/>
           </a:p>
@@ -2601,7 +2601,7 @@
           <a:p>
             <a:fld id="{0D55CCA1-5C99-43D8-BD1D-6EDDB3FDD360}" type="datetimeFigureOut">
               <a:rPr lang="pt-BR" smtClean="0"/>
-              <a:t>16/11/2021</a:t>
+              <a:t>19/11/2021</a:t>
             </a:fld>
             <a:endParaRPr lang="pt-BR"/>
           </a:p>
@@ -2912,7 +2912,7 @@
           <a:p>
             <a:fld id="{0D55CCA1-5C99-43D8-BD1D-6EDDB3FDD360}" type="datetimeFigureOut">
               <a:rPr lang="pt-BR" smtClean="0"/>
-              <a:t>16/11/2021</a:t>
+              <a:t>19/11/2021</a:t>
             </a:fld>
             <a:endParaRPr lang="pt-BR"/>
           </a:p>
@@ -3200,7 +3200,7 @@
           <a:p>
             <a:fld id="{0D55CCA1-5C99-43D8-BD1D-6EDDB3FDD360}" type="datetimeFigureOut">
               <a:rPr lang="pt-BR" smtClean="0"/>
-              <a:t>16/11/2021</a:t>
+              <a:t>19/11/2021</a:t>
             </a:fld>
             <a:endParaRPr lang="pt-BR"/>
           </a:p>
@@ -3441,7 +3441,7 @@
           <a:p>
             <a:fld id="{0D55CCA1-5C99-43D8-BD1D-6EDDB3FDD360}" type="datetimeFigureOut">
               <a:rPr lang="pt-BR" smtClean="0"/>
-              <a:t>16/11/2021</a:t>
+              <a:t>19/11/2021</a:t>
             </a:fld>
             <a:endParaRPr lang="pt-BR"/>
           </a:p>
@@ -3880,16 +3880,12 @@
           <a:lstStyle/>
           <a:p>
             <a:r>
+              <a:rPr lang="pt-BR"/>
+              <a:t>NEO4J </a:t>
+            </a:r>
+            <a:r>
               <a:rPr lang="pt-BR" dirty="0"/>
-              <a:t>REDIS ATIVIDADE 1 – 1 pontos (</a:t>
-            </a:r>
-            <a:r>
-              <a:rPr lang="pt-BR" dirty="0" err="1"/>
-              <a:t>python</a:t>
-            </a:r>
-            <a:r>
-              <a:rPr lang="pt-BR" dirty="0"/>
-              <a:t>)</a:t>
+              <a:t>ATIVIDADE 1 – 1 pontos </a:t>
             </a:r>
           </a:p>
         </p:txBody>
@@ -3925,21 +3921,22 @@
           <a:p>
             <a:r>
               <a:rPr lang="pt-BR" dirty="0"/>
-              <a:t>Insira a principais relações da sua família, utilizando as categorias (homem</a:t>
-            </a:r>
-            <a:r>
-              <a:rPr lang="pt-BR"/>
-              <a:t>, mulher)</a:t>
-            </a:r>
-          </a:p>
-          <a:p>
-            <a:r>
-              <a:rPr lang="pt-BR"/>
-              <a:t>Imprima </a:t>
-            </a:r>
+              <a:t>Insira a principais relações da sua família, utilizando as categorias (homem, mulher)</a:t>
+            </a:r>
+          </a:p>
+          <a:p>
             <a:r>
               <a:rPr lang="pt-BR" dirty="0"/>
-              <a:t>o grafo da sua família com neo4j desktop</a:t>
+              <a:t>Imprima o grafo da sua família com neo4j desktop</a:t>
+            </a:r>
+          </a:p>
+          <a:p>
+            <a:endParaRPr lang="pt-BR" dirty="0"/>
+          </a:p>
+          <a:p>
+            <a:r>
+              <a:rPr lang="pt-BR" dirty="0"/>
+              <a:t>Enviar para manoelra66@gmail.com</a:t>
             </a:r>
           </a:p>
         </p:txBody>
@@ -4425,53 +4422,13 @@
         <p:spPr/>
         <p:txBody>
           <a:bodyPr>
-            <a:normAutofit fontScale="62500" lnSpcReduction="20000"/>
+            <a:normAutofit/>
           </a:bodyPr>
           <a:lstStyle/>
           <a:p>
             <a:r>
-              <a:rPr lang="en-US" dirty="0" err="1"/>
-              <a:t>Baixar</a:t>
-            </a:r>
-            <a:r>
-              <a:rPr lang="en-US" dirty="0"/>
-              <a:t> </a:t>
-            </a:r>
-            <a:r>
-              <a:rPr lang="en-US" dirty="0" err="1"/>
-              <a:t>os</a:t>
-            </a:r>
-            <a:r>
-              <a:rPr lang="en-US" dirty="0"/>
-              <a:t> dados </a:t>
-            </a:r>
-            <a:r>
-              <a:rPr lang="en-US" dirty="0" err="1"/>
-              <a:t>mais</a:t>
-            </a:r>
-            <a:r>
-              <a:rPr lang="en-US" dirty="0"/>
-              <a:t> </a:t>
-            </a:r>
-            <a:r>
-              <a:rPr lang="en-US" dirty="0" err="1"/>
-              <a:t>recentes</a:t>
-            </a:r>
-            <a:r>
-              <a:rPr lang="en-US" dirty="0"/>
-              <a:t> de covid</a:t>
-            </a:r>
-          </a:p>
-          <a:p>
-            <a:r>
-              <a:rPr lang="pt-BR" dirty="0">
-                <a:hlinkClick r:id="rId2"/>
-              </a:rPr>
-              <a:t>https://github.com/owid/covid-19-data/raw/master/public/data/owid-covid-data.csv</a:t>
-            </a:r>
-            <a:r>
               <a:rPr lang="pt-BR" dirty="0"/>
-              <a:t> </a:t>
+              <a:t>Com base nos dados dos gastos do governo federal (Portal de dados abertos)</a:t>
             </a:r>
           </a:p>
           <a:p>
@@ -4496,75 +4453,27 @@
           <a:p>
             <a:r>
               <a:rPr lang="pt-BR" dirty="0"/>
-              <a:t>Fazer uma consulta para recuperar os dados do brasil quando a imunização iniciou (data base) até o último registro</a:t>
+              <a:t>Fazer uma consulta para recuperar os dados do total de gastos por ministério</a:t>
             </a:r>
           </a:p>
           <a:p>
             <a:r>
               <a:rPr lang="pt-BR" dirty="0"/>
-              <a:t>Criar dois vetores:</a:t>
-            </a:r>
-          </a:p>
-          <a:p>
-            <a:pPr lvl="1"/>
+              <a:t>Fazer um gráfico de barras com os dados o resultado da consulta ao </a:t>
+            </a:r>
+            <a:r>
+              <a:rPr lang="pt-BR" dirty="0" err="1"/>
+              <a:t>mongodb</a:t>
+            </a:r>
             <a:r>
               <a:rPr lang="pt-BR" dirty="0"/>
-              <a:t>1 – Diferença de dias da data de imunização para data base de imunização</a:t>
-            </a:r>
-          </a:p>
-          <a:p>
-            <a:pPr lvl="1"/>
-            <a:r>
-              <a:rPr lang="pt-BR" dirty="0"/>
-              <a:t>2 – Quantidade imunizada (</a:t>
-            </a:r>
-            <a:r>
-              <a:rPr lang="pt-BR" dirty="0" err="1"/>
-              <a:t>people_fully_vaccinated</a:t>
-            </a:r>
-            <a:r>
-              <a:rPr lang="pt-BR" dirty="0"/>
-              <a:t>)</a:t>
-            </a:r>
-          </a:p>
-          <a:p>
-            <a:r>
-              <a:rPr lang="pt-BR" dirty="0"/>
-              <a:t>Fazer regressão destes dois vetores, identificando o erro quadrado</a:t>
-            </a:r>
-          </a:p>
-          <a:p>
-            <a:r>
-              <a:rPr lang="pt-BR" dirty="0"/>
-              <a:t>Fazer a projeção para respondes as seguintes perguntas:</a:t>
-            </a:r>
-          </a:p>
-          <a:p>
-            <a:pPr lvl="1"/>
-            <a:r>
-              <a:rPr lang="pt-BR" dirty="0"/>
-              <a:t>Com quantos dias a partir da data base teremos os primeiros efeitos da imunidade de rebanho com 43%* da população imunizada?</a:t>
-            </a:r>
-          </a:p>
-          <a:p>
-            <a:pPr lvl="1"/>
-            <a:r>
-              <a:rPr lang="pt-BR" dirty="0"/>
-              <a:t>Com quantos dias a partir da data base de imunização atingiremos a imunidade de rebanho pela com 60% da população imunizada?</a:t>
-            </a:r>
-          </a:p>
-          <a:p>
-            <a:pPr lvl="1"/>
-            <a:r>
-              <a:rPr lang="pt-BR" dirty="0"/>
-              <a:t>Com quantos dias a partir da data base de imunização atingiremos 100% da população vacinada?</a:t>
-            </a:r>
-          </a:p>
-          <a:p>
-            <a:r>
-              <a:rPr lang="pt-BR" dirty="0"/>
-              <a:t>Fazer um gráfico com os dados reais e os dados projetados de imunização até atingir 100% da população (eixo x quantidade de dias decorridos desde a data base)</a:t>
-            </a:r>
+              <a:t> em </a:t>
+            </a:r>
+            <a:r>
+              <a:rPr lang="pt-BR"/>
+              <a:t>python</a:t>
+            </a:r>
+            <a:endParaRPr lang="pt-BR" dirty="0"/>
           </a:p>
           <a:p>
             <a:pPr lvl="1"/>
